--- a/ETL Project.pptx
+++ b/ETL Project.pptx
@@ -8,8 +8,11 @@
     <p:sldId id="256" r:id="rId2"/>
     <p:sldId id="257" r:id="rId3"/>
     <p:sldId id="259" r:id="rId4"/>
-    <p:sldId id="260" r:id="rId5"/>
-    <p:sldId id="261" r:id="rId6"/>
+    <p:sldId id="262" r:id="rId5"/>
+    <p:sldId id="260" r:id="rId6"/>
+    <p:sldId id="264" r:id="rId7"/>
+    <p:sldId id="261" r:id="rId8"/>
+    <p:sldId id="263" r:id="rId9"/>
   </p:sldIdLst>
   <p:sldSz cx="12192000" cy="6858000"/>
   <p:notesSz cx="6858000" cy="9144000"/>
@@ -108,6 +111,11 @@
       </a:defRPr>
     </a:lvl9pPr>
   </p:defaultTextStyle>
+  <p:extLst>
+    <p:ext uri="{EFAFB233-063F-42B5-8137-9DF3F51BA10A}">
+      <p15:sldGuideLst xmlns:p15="http://schemas.microsoft.com/office/powerpoint/2012/main"/>
+    </p:ext>
+  </p:extLst>
 </p:presentation>
 </file>
 
@@ -281,7 +289,7 @@
           <a:p>
             <a:fld id="{6A4B53A7-3209-46A6-9454-F38EAC8F11E7}" type="datetimeFigureOut">
               <a:rPr lang="en-US" smtClean="0"/>
-              <a:t>3/17/2021</a:t>
+              <a:t>3/17/21</a:t>
             </a:fld>
             <a:endParaRPr lang="en-US"/>
           </a:p>
@@ -569,7 +577,7 @@
             <a:fld id="{6A4B53A7-3209-46A6-9454-F38EAC8F11E7}" type="datetimeFigureOut">
               <a:rPr lang="en-US" smtClean="0"/>
               <a:pPr/>
-              <a:t>3/17/2021</a:t>
+              <a:t>3/17/21</a:t>
             </a:fld>
             <a:endParaRPr lang="en-US" dirty="0"/>
           </a:p>
@@ -763,7 +771,7 @@
             <a:fld id="{6A4B53A7-3209-46A6-9454-F38EAC8F11E7}" type="datetimeFigureOut">
               <a:rPr lang="en-US" smtClean="0"/>
               <a:pPr/>
-              <a:t>3/17/2021</a:t>
+              <a:t>3/17/21</a:t>
             </a:fld>
             <a:endParaRPr lang="en-US" dirty="0"/>
           </a:p>
@@ -1026,7 +1034,7 @@
             <a:fld id="{6A4B53A7-3209-46A6-9454-F38EAC8F11E7}" type="datetimeFigureOut">
               <a:rPr lang="en-US" smtClean="0"/>
               <a:pPr/>
-              <a:t>3/17/2021</a:t>
+              <a:t>3/17/21</a:t>
             </a:fld>
             <a:endParaRPr lang="en-US" dirty="0"/>
           </a:p>
@@ -1452,7 +1460,7 @@
             <a:fld id="{6A4B53A7-3209-46A6-9454-F38EAC8F11E7}" type="datetimeFigureOut">
               <a:rPr lang="en-US" smtClean="0"/>
               <a:pPr/>
-              <a:t>3/17/2021</a:t>
+              <a:t>3/17/21</a:t>
             </a:fld>
             <a:endParaRPr lang="en-US" dirty="0"/>
           </a:p>
@@ -2000,7 +2008,7 @@
             <a:fld id="{6A4B53A7-3209-46A6-9454-F38EAC8F11E7}" type="datetimeFigureOut">
               <a:rPr lang="en-US" smtClean="0"/>
               <a:pPr/>
-              <a:t>3/17/2021</a:t>
+              <a:t>3/17/21</a:t>
             </a:fld>
             <a:endParaRPr lang="en-US" dirty="0"/>
           </a:p>
@@ -2842,7 +2850,7 @@
             <a:fld id="{6A4B53A7-3209-46A6-9454-F38EAC8F11E7}" type="datetimeFigureOut">
               <a:rPr lang="en-US" smtClean="0"/>
               <a:pPr/>
-              <a:t>3/17/2021</a:t>
+              <a:t>3/17/21</a:t>
             </a:fld>
             <a:endParaRPr lang="en-US" dirty="0"/>
           </a:p>
@@ -3013,7 +3021,7 @@
           <a:p>
             <a:fld id="{6A4B53A7-3209-46A6-9454-F38EAC8F11E7}" type="datetimeFigureOut">
               <a:rPr lang="en-US" smtClean="0"/>
-              <a:t>3/17/2021</a:t>
+              <a:t>3/17/21</a:t>
             </a:fld>
             <a:endParaRPr lang="en-US"/>
           </a:p>
@@ -3197,7 +3205,7 @@
           <a:p>
             <a:fld id="{6A4B53A7-3209-46A6-9454-F38EAC8F11E7}" type="datetimeFigureOut">
               <a:rPr lang="en-US" smtClean="0"/>
-              <a:t>3/17/2021</a:t>
+              <a:t>3/17/21</a:t>
             </a:fld>
             <a:endParaRPr lang="en-US"/>
           </a:p>
@@ -3367,7 +3375,7 @@
           <a:p>
             <a:fld id="{6A4B53A7-3209-46A6-9454-F38EAC8F11E7}" type="datetimeFigureOut">
               <a:rPr lang="en-US" smtClean="0"/>
-              <a:t>3/17/2021</a:t>
+              <a:t>3/17/21</a:t>
             </a:fld>
             <a:endParaRPr lang="en-US"/>
           </a:p>
@@ -3615,7 +3623,7 @@
           <a:p>
             <a:fld id="{6A4B53A7-3209-46A6-9454-F38EAC8F11E7}" type="datetimeFigureOut">
               <a:rPr lang="en-US" smtClean="0"/>
-              <a:t>3/17/2021</a:t>
+              <a:t>3/17/21</a:t>
             </a:fld>
             <a:endParaRPr lang="en-US"/>
           </a:p>
@@ -3852,7 +3860,7 @@
           <a:p>
             <a:fld id="{6A4B53A7-3209-46A6-9454-F38EAC8F11E7}" type="datetimeFigureOut">
               <a:rPr lang="en-US" smtClean="0"/>
-              <a:t>3/17/2021</a:t>
+              <a:t>3/17/21</a:t>
             </a:fld>
             <a:endParaRPr lang="en-US"/>
           </a:p>
@@ -4225,7 +4233,7 @@
           <a:p>
             <a:fld id="{6A4B53A7-3209-46A6-9454-F38EAC8F11E7}" type="datetimeFigureOut">
               <a:rPr lang="en-US" smtClean="0"/>
-              <a:t>3/17/2021</a:t>
+              <a:t>3/17/21</a:t>
             </a:fld>
             <a:endParaRPr lang="en-US"/>
           </a:p>
@@ -4343,7 +4351,7 @@
           <a:p>
             <a:fld id="{6A4B53A7-3209-46A6-9454-F38EAC8F11E7}" type="datetimeFigureOut">
               <a:rPr lang="en-US" smtClean="0"/>
-              <a:t>3/17/2021</a:t>
+              <a:t>3/17/21</a:t>
             </a:fld>
             <a:endParaRPr lang="en-US"/>
           </a:p>
@@ -4438,7 +4446,7 @@
           <a:p>
             <a:fld id="{6A4B53A7-3209-46A6-9454-F38EAC8F11E7}" type="datetimeFigureOut">
               <a:rPr lang="en-US" smtClean="0"/>
-              <a:t>3/17/2021</a:t>
+              <a:t>3/17/21</a:t>
             </a:fld>
             <a:endParaRPr lang="en-US"/>
           </a:p>
@@ -4689,7 +4697,7 @@
           <a:p>
             <a:fld id="{6A4B53A7-3209-46A6-9454-F38EAC8F11E7}" type="datetimeFigureOut">
               <a:rPr lang="en-US" smtClean="0"/>
-              <a:t>3/17/2021</a:t>
+              <a:t>3/17/21</a:t>
             </a:fld>
             <a:endParaRPr lang="en-US"/>
           </a:p>
@@ -4976,7 +4984,7 @@
           <a:p>
             <a:fld id="{6A4B53A7-3209-46A6-9454-F38EAC8F11E7}" type="datetimeFigureOut">
               <a:rPr lang="en-US" smtClean="0"/>
-              <a:t>3/17/2021</a:t>
+              <a:t>3/17/21</a:t>
             </a:fld>
             <a:endParaRPr lang="en-US"/>
           </a:p>
@@ -5190,7 +5198,7 @@
             <a:fld id="{6A4B53A7-3209-46A6-9454-F38EAC8F11E7}" type="datetimeFigureOut">
               <a:rPr lang="en-US" smtClean="0"/>
               <a:pPr/>
-              <a:t>3/17/2021</a:t>
+              <a:t>3/17/21</a:t>
             </a:fld>
             <a:endParaRPr lang="en-US" dirty="0"/>
           </a:p>
@@ -6526,7 +6534,7 @@
           <p:cNvPr id="2" name="Title 1">
             <a:extLst>
               <a:ext uri="{FF2B5EF4-FFF2-40B4-BE49-F238E27FC236}">
-                <a16:creationId xmlns:a16="http://schemas.microsoft.com/office/drawing/2014/main" id="{86AFAD58-4964-48C1-A966-C2395430522C}"/>
+                <a16:creationId xmlns:a16="http://schemas.microsoft.com/office/drawing/2014/main" id="{EEE1270D-AEEB-DD48-84A5-702B0D28D6AA}"/>
               </a:ext>
             </a:extLst>
           </p:cNvPr>
@@ -6542,119 +6550,85 @@
           <a:bodyPr/>
           <a:lstStyle/>
           <a:p>
-            <a:r>
-              <a:rPr lang="en-US" dirty="0"/>
-              <a:t>**T**</a:t>
-            </a:r>
-            <a:r>
-              <a:rPr lang="en-US" dirty="0" err="1"/>
-              <a:t>ransform</a:t>
-            </a:r>
             <a:endParaRPr lang="en-US" dirty="0"/>
           </a:p>
         </p:txBody>
       </p:sp>
-      <p:sp>
-        <p:nvSpPr>
-          <p:cNvPr id="3" name="Content Placeholder 2">
+      <p:pic>
+        <p:nvPicPr>
+          <p:cNvPr id="11" name="Content Placeholder 10" descr="Graphical user interface, application, table, Excel&#10;&#10;Description automatically generated">
             <a:extLst>
               <a:ext uri="{FF2B5EF4-FFF2-40B4-BE49-F238E27FC236}">
-                <a16:creationId xmlns:a16="http://schemas.microsoft.com/office/drawing/2014/main" id="{2A39E24A-A4DF-4AEF-B8D9-D2294E2B81F8}"/>
+                <a16:creationId xmlns:a16="http://schemas.microsoft.com/office/drawing/2014/main" id="{BF9F8B81-1FB0-884B-9B36-753A7B327D25}"/>
               </a:ext>
             </a:extLst>
           </p:cNvPr>
-          <p:cNvSpPr>
-            <a:spLocks noGrp="1"/>
-          </p:cNvSpPr>
+          <p:cNvPicPr>
+            <a:picLocks noGrp="1" noChangeAspect="1"/>
+          </p:cNvPicPr>
           <p:nvPr>
             <p:ph idx="1"/>
           </p:nvPr>
-        </p:nvSpPr>
-        <p:spPr/>
-        <p:txBody>
-          <a:bodyPr/>
-          <a:lstStyle/>
-          <a:p>
-            <a:pPr>
-              <a:lnSpc>
-                <a:spcPct val="250000"/>
-              </a:lnSpc>
-              <a:buFont typeface="Wingdings" panose="05000000000000000000" pitchFamily="2" charset="2"/>
-              <a:buChar char="v"/>
-            </a:pPr>
-            <a:r>
-              <a:rPr lang="en-US" sz="1800" dirty="0">
-                <a:effectLst/>
-                <a:latin typeface="+mj-lt"/>
-                <a:ea typeface="Calibri" panose="020F0502020204030204" pitchFamily="34" charset="0"/>
-                <a:cs typeface="Times New Roman" panose="02020603050405020304" pitchFamily="18" charset="0"/>
-              </a:rPr>
-              <a:t>The csv files were loaded into pandas</a:t>
-            </a:r>
-          </a:p>
-          <a:p>
-            <a:pPr>
-              <a:lnSpc>
-                <a:spcPct val="250000"/>
-              </a:lnSpc>
-              <a:buFont typeface="Wingdings" panose="05000000000000000000" pitchFamily="2" charset="2"/>
-              <a:buChar char="v"/>
-            </a:pPr>
-            <a:r>
-              <a:rPr lang="en-US" sz="1800" dirty="0">
-                <a:effectLst/>
-                <a:latin typeface="+mj-lt"/>
-                <a:ea typeface="Calibri" panose="020F0502020204030204" pitchFamily="34" charset="0"/>
-                <a:cs typeface="Times New Roman" panose="02020603050405020304" pitchFamily="18" charset="0"/>
-              </a:rPr>
-              <a:t>Cleaned by selecting only the columns needed</a:t>
-            </a:r>
-          </a:p>
-          <a:p>
-            <a:pPr lvl="1">
-              <a:lnSpc>
-                <a:spcPct val="250000"/>
-              </a:lnSpc>
-              <a:buFont typeface="Wingdings" panose="05000000000000000000" pitchFamily="2" charset="2"/>
-              <a:buChar char="§"/>
-            </a:pPr>
-            <a:r>
-              <a:rPr lang="en-US" sz="1600" dirty="0">
-                <a:effectLst/>
-                <a:latin typeface="+mj-lt"/>
-                <a:ea typeface="Calibri" panose="020F0502020204030204" pitchFamily="34" charset="0"/>
-                <a:cs typeface="Times New Roman" panose="02020603050405020304" pitchFamily="18" charset="0"/>
-              </a:rPr>
-              <a:t>Renamed columns and dropped unwanted ones</a:t>
-            </a:r>
-          </a:p>
-          <a:p>
-            <a:pPr>
-              <a:lnSpc>
-                <a:spcPct val="250000"/>
-              </a:lnSpc>
-              <a:buFont typeface="Wingdings" panose="05000000000000000000" pitchFamily="2" charset="2"/>
-              <a:buChar char="v"/>
-            </a:pPr>
-            <a:r>
-              <a:rPr lang="en-US" sz="1800" dirty="0">
-                <a:effectLst/>
-                <a:latin typeface="+mj-lt"/>
-                <a:ea typeface="Calibri" panose="020F0502020204030204" pitchFamily="34" charset="0"/>
-                <a:cs typeface="Times New Roman" panose="02020603050405020304" pitchFamily="18" charset="0"/>
-              </a:rPr>
-              <a:t>Data filtered to include all countries and sorted by year in ascending order</a:t>
-            </a:r>
-          </a:p>
-          <a:p>
-            <a:endParaRPr lang="en-US" dirty="0"/>
-          </a:p>
-        </p:txBody>
-      </p:sp>
+        </p:nvPicPr>
+        <p:blipFill>
+          <a:blip r:embed="rId2">
+            <a:extLst>
+              <a:ext uri="{28A0092B-C50C-407E-A947-70E740481C1C}">
+                <a14:useLocalDpi xmlns:a14="http://schemas.microsoft.com/office/drawing/2010/main" val="0"/>
+              </a:ext>
+            </a:extLst>
+          </a:blip>
+          <a:stretch>
+            <a:fillRect/>
+          </a:stretch>
+        </p:blipFill>
+        <p:spPr>
+          <a:xfrm>
+            <a:off x="-1" y="-1"/>
+            <a:ext cx="8672523" cy="5025489"/>
+          </a:xfrm>
+        </p:spPr>
+      </p:pic>
+      <p:pic>
+        <p:nvPicPr>
+          <p:cNvPr id="13" name="Picture 12" descr="A picture containing text, electronics&#10;&#10;Description automatically generated">
+            <a:extLst>
+              <a:ext uri="{FF2B5EF4-FFF2-40B4-BE49-F238E27FC236}">
+                <a16:creationId xmlns:a16="http://schemas.microsoft.com/office/drawing/2014/main" id="{6AAF2B1A-B882-4F4A-B4B1-1E52E7BF7D22}"/>
+              </a:ext>
+            </a:extLst>
+          </p:cNvPr>
+          <p:cNvPicPr>
+            <a:picLocks noChangeAspect="1"/>
+          </p:cNvPicPr>
+          <p:nvPr/>
+        </p:nvPicPr>
+        <p:blipFill>
+          <a:blip r:embed="rId3">
+            <a:extLst>
+              <a:ext uri="{28A0092B-C50C-407E-A947-70E740481C1C}">
+                <a14:useLocalDpi xmlns:a14="http://schemas.microsoft.com/office/drawing/2010/main" val="0"/>
+              </a:ext>
+            </a:extLst>
+          </a:blip>
+          <a:stretch>
+            <a:fillRect/>
+          </a:stretch>
+        </p:blipFill>
+        <p:spPr>
+          <a:xfrm>
+            <a:off x="3003474" y="1643064"/>
+            <a:ext cx="9188526" cy="5214936"/>
+          </a:xfrm>
+          <a:prstGeom prst="rect">
+            <a:avLst/>
+          </a:prstGeom>
+        </p:spPr>
+      </p:pic>
     </p:spTree>
     <p:extLst>
       <p:ext uri="{BB962C8B-B14F-4D97-AF65-F5344CB8AC3E}">
-        <p14:creationId xmlns:p14="http://schemas.microsoft.com/office/powerpoint/2010/main" val="3601604236"/>
+        <p14:creationId xmlns:p14="http://schemas.microsoft.com/office/powerpoint/2010/main" val="1809792717"/>
       </p:ext>
     </p:extLst>
   </p:cSld>
@@ -6686,6 +6660,278 @@
           <p:cNvPr id="2" name="Title 1">
             <a:extLst>
               <a:ext uri="{FF2B5EF4-FFF2-40B4-BE49-F238E27FC236}">
+                <a16:creationId xmlns:a16="http://schemas.microsoft.com/office/drawing/2014/main" id="{86AFAD58-4964-48C1-A966-C2395430522C}"/>
+              </a:ext>
+            </a:extLst>
+          </p:cNvPr>
+          <p:cNvSpPr>
+            <a:spLocks noGrp="1"/>
+          </p:cNvSpPr>
+          <p:nvPr>
+            <p:ph type="title"/>
+          </p:nvPr>
+        </p:nvSpPr>
+        <p:spPr/>
+        <p:txBody>
+          <a:bodyPr/>
+          <a:lstStyle/>
+          <a:p>
+            <a:r>
+              <a:rPr lang="en-US" dirty="0"/>
+              <a:t>**T**</a:t>
+            </a:r>
+            <a:r>
+              <a:rPr lang="en-US" dirty="0" err="1"/>
+              <a:t>ransform</a:t>
+            </a:r>
+            <a:endParaRPr lang="en-US" dirty="0"/>
+          </a:p>
+        </p:txBody>
+      </p:sp>
+      <p:sp>
+        <p:nvSpPr>
+          <p:cNvPr id="3" name="Content Placeholder 2">
+            <a:extLst>
+              <a:ext uri="{FF2B5EF4-FFF2-40B4-BE49-F238E27FC236}">
+                <a16:creationId xmlns:a16="http://schemas.microsoft.com/office/drawing/2014/main" id="{2A39E24A-A4DF-4AEF-B8D9-D2294E2B81F8}"/>
+              </a:ext>
+            </a:extLst>
+          </p:cNvPr>
+          <p:cNvSpPr>
+            <a:spLocks noGrp="1"/>
+          </p:cNvSpPr>
+          <p:nvPr>
+            <p:ph idx="1"/>
+          </p:nvPr>
+        </p:nvSpPr>
+        <p:spPr/>
+        <p:txBody>
+          <a:bodyPr/>
+          <a:lstStyle/>
+          <a:p>
+            <a:pPr>
+              <a:lnSpc>
+                <a:spcPct val="250000"/>
+              </a:lnSpc>
+              <a:buFont typeface="Wingdings" panose="05000000000000000000" pitchFamily="2" charset="2"/>
+              <a:buChar char="v"/>
+            </a:pPr>
+            <a:r>
+              <a:rPr lang="en-US" sz="1800" dirty="0">
+                <a:effectLst/>
+                <a:latin typeface="+mj-lt"/>
+                <a:ea typeface="Calibri" panose="020F0502020204030204" pitchFamily="34" charset="0"/>
+                <a:cs typeface="Times New Roman" panose="02020603050405020304" pitchFamily="18" charset="0"/>
+              </a:rPr>
+              <a:t>The csv files were loaded into pandas</a:t>
+            </a:r>
+          </a:p>
+          <a:p>
+            <a:pPr>
+              <a:lnSpc>
+                <a:spcPct val="250000"/>
+              </a:lnSpc>
+              <a:buFont typeface="Wingdings" panose="05000000000000000000" pitchFamily="2" charset="2"/>
+              <a:buChar char="v"/>
+            </a:pPr>
+            <a:r>
+              <a:rPr lang="en-US" sz="1800" dirty="0">
+                <a:effectLst/>
+                <a:latin typeface="+mj-lt"/>
+                <a:ea typeface="Calibri" panose="020F0502020204030204" pitchFamily="34" charset="0"/>
+                <a:cs typeface="Times New Roman" panose="02020603050405020304" pitchFamily="18" charset="0"/>
+              </a:rPr>
+              <a:t>Cleaned by selecting only the columns needed</a:t>
+            </a:r>
+          </a:p>
+          <a:p>
+            <a:pPr lvl="1">
+              <a:lnSpc>
+                <a:spcPct val="250000"/>
+              </a:lnSpc>
+              <a:buFont typeface="Wingdings" panose="05000000000000000000" pitchFamily="2" charset="2"/>
+              <a:buChar char="§"/>
+            </a:pPr>
+            <a:r>
+              <a:rPr lang="en-US" sz="1600" dirty="0">
+                <a:effectLst/>
+                <a:latin typeface="+mj-lt"/>
+                <a:ea typeface="Calibri" panose="020F0502020204030204" pitchFamily="34" charset="0"/>
+                <a:cs typeface="Times New Roman" panose="02020603050405020304" pitchFamily="18" charset="0"/>
+              </a:rPr>
+              <a:t>Renamed columns and dropped unwanted ones</a:t>
+            </a:r>
+          </a:p>
+          <a:p>
+            <a:pPr>
+              <a:lnSpc>
+                <a:spcPct val="250000"/>
+              </a:lnSpc>
+              <a:buFont typeface="Wingdings" panose="05000000000000000000" pitchFamily="2" charset="2"/>
+              <a:buChar char="v"/>
+            </a:pPr>
+            <a:r>
+              <a:rPr lang="en-US" sz="1800" dirty="0">
+                <a:effectLst/>
+                <a:latin typeface="+mj-lt"/>
+                <a:ea typeface="Calibri" panose="020F0502020204030204" pitchFamily="34" charset="0"/>
+                <a:cs typeface="Times New Roman" panose="02020603050405020304" pitchFamily="18" charset="0"/>
+              </a:rPr>
+              <a:t>Data filtered to include all countries and sorted by year in ascending order</a:t>
+            </a:r>
+          </a:p>
+          <a:p>
+            <a:endParaRPr lang="en-US" dirty="0"/>
+          </a:p>
+        </p:txBody>
+      </p:sp>
+    </p:spTree>
+    <p:extLst>
+      <p:ext uri="{BB962C8B-B14F-4D97-AF65-F5344CB8AC3E}">
+        <p14:creationId xmlns:p14="http://schemas.microsoft.com/office/powerpoint/2010/main" val="3601604236"/>
+      </p:ext>
+    </p:extLst>
+  </p:cSld>
+  <p:clrMapOvr>
+    <a:masterClrMapping/>
+  </p:clrMapOvr>
+</p:sld>
+</file>
+
+<file path=ppt/slides/slide6.xml><?xml version="1.0" encoding="utf-8"?>
+<p:sld xmlns:a="http://schemas.openxmlformats.org/drawingml/2006/main" xmlns:r="http://schemas.openxmlformats.org/officeDocument/2006/relationships" xmlns:p="http://schemas.openxmlformats.org/presentationml/2006/main">
+  <p:cSld>
+    <p:bg>
+      <p:bgPr>
+        <a:blipFill rotWithShape="1">
+          <a:blip r:embed="rId2">
+            <a:duotone>
+              <a:schemeClr val="bg2">
+                <a:shade val="18000"/>
+                <a:satMod val="160000"/>
+                <a:lumMod val="28000"/>
+              </a:schemeClr>
+              <a:schemeClr val="bg2">
+                <a:tint val="95000"/>
+                <a:satMod val="160000"/>
+                <a:lumMod val="116000"/>
+              </a:schemeClr>
+            </a:duotone>
+          </a:blip>
+          <a:stretch/>
+        </a:blipFill>
+        <a:effectLst/>
+      </p:bgPr>
+    </p:bg>
+    <p:spTree>
+      <p:nvGrpSpPr>
+        <p:cNvPr id="1" name=""/>
+        <p:cNvGrpSpPr/>
+        <p:nvPr/>
+      </p:nvGrpSpPr>
+      <p:grpSpPr>
+        <a:xfrm>
+          <a:off x="0" y="0"/>
+          <a:ext cx="0" cy="0"/>
+          <a:chOff x="0" y="0"/>
+          <a:chExt cx="0" cy="0"/>
+        </a:xfrm>
+      </p:grpSpPr>
+      <p:pic>
+        <p:nvPicPr>
+          <p:cNvPr id="5" name="Content Placeholder 4" descr="Text&#10;&#10;Description automatically generated with medium confidence">
+            <a:extLst>
+              <a:ext uri="{FF2B5EF4-FFF2-40B4-BE49-F238E27FC236}">
+                <a16:creationId xmlns:a16="http://schemas.microsoft.com/office/drawing/2014/main" id="{00D4776C-4806-DB46-BDE6-9D665BC86C15}"/>
+              </a:ext>
+            </a:extLst>
+          </p:cNvPr>
+          <p:cNvPicPr>
+            <a:picLocks noGrp="1" noChangeAspect="1"/>
+          </p:cNvPicPr>
+          <p:nvPr>
+            <p:ph idx="1"/>
+          </p:nvPr>
+        </p:nvPicPr>
+        <p:blipFill>
+          <a:blip r:embed="rId3">
+            <a:extLst>
+              <a:ext uri="{28A0092B-C50C-407E-A947-70E740481C1C}">
+                <a14:useLocalDpi xmlns:a14="http://schemas.microsoft.com/office/drawing/2010/main" val="0"/>
+              </a:ext>
+            </a:extLst>
+          </a:blip>
+          <a:stretch>
+            <a:fillRect/>
+          </a:stretch>
+        </p:blipFill>
+        <p:spPr>
+          <a:xfrm>
+            <a:off x="913795" y="1142430"/>
+            <a:ext cx="10276720" cy="4573139"/>
+          </a:xfrm>
+          <a:prstGeom prst="rect">
+            <a:avLst/>
+          </a:prstGeom>
+          <a:ln w="127000" cap="flat">
+            <a:solidFill>
+              <a:srgbClr val="FFFFFF"/>
+            </a:solidFill>
+            <a:miter lim="800000"/>
+          </a:ln>
+          <a:effectLst>
+            <a:outerShdw blurRad="54991" dist="17780" dir="5400000" algn="ctr" rotWithShape="0">
+              <a:schemeClr val="bg1">
+                <a:alpha val="40000"/>
+              </a:schemeClr>
+            </a:outerShdw>
+          </a:effectLst>
+          <a:scene3d>
+            <a:camera prst="orthographicFront"/>
+            <a:lightRig rig="twoPt" dir="t">
+              <a:rot lat="0" lon="0" rev="7200000"/>
+            </a:lightRig>
+          </a:scene3d>
+          <a:sp3d>
+            <a:bevelT w="25400" h="19050"/>
+          </a:sp3d>
+        </p:spPr>
+      </p:pic>
+    </p:spTree>
+    <p:extLst>
+      <p:ext uri="{BB962C8B-B14F-4D97-AF65-F5344CB8AC3E}">
+        <p14:creationId xmlns:p14="http://schemas.microsoft.com/office/powerpoint/2010/main" val="3571678434"/>
+      </p:ext>
+    </p:extLst>
+  </p:cSld>
+  <p:clrMapOvr>
+    <a:masterClrMapping/>
+  </p:clrMapOvr>
+</p:sld>
+</file>
+
+<file path=ppt/slides/slide7.xml><?xml version="1.0" encoding="utf-8"?>
+<p:sld xmlns:a="http://schemas.openxmlformats.org/drawingml/2006/main" xmlns:r="http://schemas.openxmlformats.org/officeDocument/2006/relationships" xmlns:p="http://schemas.openxmlformats.org/presentationml/2006/main">
+  <p:cSld>
+    <p:spTree>
+      <p:nvGrpSpPr>
+        <p:cNvPr id="1" name=""/>
+        <p:cNvGrpSpPr/>
+        <p:nvPr/>
+      </p:nvGrpSpPr>
+      <p:grpSpPr>
+        <a:xfrm>
+          <a:off x="0" y="0"/>
+          <a:ext cx="0" cy="0"/>
+          <a:chOff x="0" y="0"/>
+          <a:chExt cx="0" cy="0"/>
+        </a:xfrm>
+      </p:grpSpPr>
+      <p:sp>
+        <p:nvSpPr>
+          <p:cNvPr id="2" name="Title 1">
+            <a:extLst>
+              <a:ext uri="{FF2B5EF4-FFF2-40B4-BE49-F238E27FC236}">
                 <a16:creationId xmlns:a16="http://schemas.microsoft.com/office/drawing/2014/main" id="{F5022048-C640-40EC-A543-8F05CA9A959A}"/>
               </a:ext>
             </a:extLst>
@@ -6763,7 +7009,7 @@
                 <a:ea typeface="Calibri" panose="020F0502020204030204" pitchFamily="34" charset="0"/>
                 <a:cs typeface="Times New Roman" panose="02020603050405020304" pitchFamily="18" charset="0"/>
               </a:rPr>
-              <a:t>The final databases were loaded into pgAdmin4 and joined together on the unique column “year”</a:t>
+              <a:t>The final databases were loaded into pgAdmin4 and joined together on country and year.</a:t>
             </a:r>
           </a:p>
           <a:p>
@@ -6775,6 +7021,118 @@
     <p:extLst>
       <p:ext uri="{BB962C8B-B14F-4D97-AF65-F5344CB8AC3E}">
         <p14:creationId xmlns:p14="http://schemas.microsoft.com/office/powerpoint/2010/main" val="559171873"/>
+      </p:ext>
+    </p:extLst>
+  </p:cSld>
+  <p:clrMapOvr>
+    <a:masterClrMapping/>
+  </p:clrMapOvr>
+</p:sld>
+</file>
+
+<file path=ppt/slides/slide8.xml><?xml version="1.0" encoding="utf-8"?>
+<p:sld xmlns:a="http://schemas.openxmlformats.org/drawingml/2006/main" xmlns:r="http://schemas.openxmlformats.org/officeDocument/2006/relationships" xmlns:p="http://schemas.openxmlformats.org/presentationml/2006/main">
+  <p:cSld>
+    <p:bg>
+      <p:bgPr>
+        <a:blipFill rotWithShape="1">
+          <a:blip r:embed="rId2">
+            <a:duotone>
+              <a:schemeClr val="bg2">
+                <a:shade val="18000"/>
+                <a:satMod val="160000"/>
+                <a:lumMod val="28000"/>
+              </a:schemeClr>
+              <a:schemeClr val="bg2">
+                <a:tint val="95000"/>
+                <a:satMod val="160000"/>
+                <a:lumMod val="116000"/>
+              </a:schemeClr>
+            </a:duotone>
+          </a:blip>
+          <a:stretch/>
+        </a:blipFill>
+        <a:effectLst/>
+      </p:bgPr>
+    </p:bg>
+    <p:spTree>
+      <p:nvGrpSpPr>
+        <p:cNvPr id="1" name=""/>
+        <p:cNvGrpSpPr/>
+        <p:nvPr/>
+      </p:nvGrpSpPr>
+      <p:grpSpPr>
+        <a:xfrm>
+          <a:off x="0" y="0"/>
+          <a:ext cx="0" cy="0"/>
+          <a:chOff x="0" y="0"/>
+          <a:chExt cx="0" cy="0"/>
+        </a:xfrm>
+      </p:grpSpPr>
+      <p:pic>
+        <p:nvPicPr>
+          <p:cNvPr id="5" name="Content Placeholder 4" descr="Graphical user interface, text, application&#10;&#10;Description automatically generated">
+            <a:extLst>
+              <a:ext uri="{FF2B5EF4-FFF2-40B4-BE49-F238E27FC236}">
+                <a16:creationId xmlns:a16="http://schemas.microsoft.com/office/drawing/2014/main" id="{82D26B7D-B5E4-6B4E-B39A-4B4F7131067F}"/>
+              </a:ext>
+            </a:extLst>
+          </p:cNvPr>
+          <p:cNvPicPr>
+            <a:picLocks noGrp="1" noChangeAspect="1"/>
+          </p:cNvPicPr>
+          <p:nvPr>
+            <p:ph idx="1"/>
+          </p:nvPr>
+        </p:nvPicPr>
+        <p:blipFill>
+          <a:blip r:embed="rId3">
+            <a:extLst>
+              <a:ext uri="{28A0092B-C50C-407E-A947-70E740481C1C}">
+                <a14:useLocalDpi xmlns:a14="http://schemas.microsoft.com/office/drawing/2010/main" val="0"/>
+              </a:ext>
+            </a:extLst>
+          </a:blip>
+          <a:stretch>
+            <a:fillRect/>
+          </a:stretch>
+        </p:blipFill>
+        <p:spPr>
+          <a:xfrm>
+            <a:off x="1559358" y="643466"/>
+            <a:ext cx="8985593" cy="5571067"/>
+          </a:xfrm>
+          <a:prstGeom prst="rect">
+            <a:avLst/>
+          </a:prstGeom>
+          <a:ln w="127000" cap="flat">
+            <a:solidFill>
+              <a:srgbClr val="FFFFFF"/>
+            </a:solidFill>
+            <a:miter lim="800000"/>
+          </a:ln>
+          <a:effectLst>
+            <a:outerShdw blurRad="54991" dist="17780" dir="5400000" algn="ctr" rotWithShape="0">
+              <a:schemeClr val="bg1">
+                <a:alpha val="40000"/>
+              </a:schemeClr>
+            </a:outerShdw>
+          </a:effectLst>
+          <a:scene3d>
+            <a:camera prst="orthographicFront"/>
+            <a:lightRig rig="twoPt" dir="t">
+              <a:rot lat="0" lon="0" rev="7200000"/>
+            </a:lightRig>
+          </a:scene3d>
+          <a:sp3d>
+            <a:bevelT w="25400" h="19050"/>
+          </a:sp3d>
+        </p:spPr>
+      </p:pic>
+    </p:spTree>
+    <p:extLst>
+      <p:ext uri="{BB962C8B-B14F-4D97-AF65-F5344CB8AC3E}">
+        <p14:creationId xmlns:p14="http://schemas.microsoft.com/office/powerpoint/2010/main" val="2217709782"/>
       </p:ext>
     </p:extLst>
   </p:cSld>
